--- a/B10330325.pptx
+++ b/B10330325.pptx
@@ -105,6 +105,11 @@
       </a:defRPr>
     </a:lvl9pPr>
   </p:defaultTextStyle>
+  <p:extLst>
+    <p:ext uri="{EFAFB233-063F-42B5-8137-9DF3F51BA10A}">
+      <p15:sldGuideLst xmlns:p15="http://schemas.microsoft.com/office/powerpoint/2012/main"/>
+    </p:ext>
+  </p:extLst>
 </p:presentation>
 </file>
 
@@ -3894,39 +3899,784 @@
       </p:grpSpPr>
       <p:sp>
         <p:nvSpPr>
-          <p:cNvPr id="2" name="標題 1"/>
-          <p:cNvSpPr>
-            <a:spLocks noGrp="1"/>
-          </p:cNvSpPr>
-          <p:nvPr>
-            <p:ph type="title"/>
-          </p:nvPr>
-        </p:nvSpPr>
-        <p:spPr/>
-        <p:txBody>
-          <a:bodyPr/>
-          <a:lstStyle/>
-          <a:p>
-            <a:endParaRPr lang="zh-TW" altLang="en-US"/>
-          </a:p>
-        </p:txBody>
-      </p:sp>
-      <p:sp>
-        <p:nvSpPr>
-          <p:cNvPr id="3" name="內容版面配置區 2"/>
-          <p:cNvSpPr>
-            <a:spLocks noGrp="1"/>
-          </p:cNvSpPr>
-          <p:nvPr>
-            <p:ph idx="1"/>
-          </p:nvPr>
-        </p:nvSpPr>
-        <p:spPr/>
-        <p:txBody>
-          <a:bodyPr/>
-          <a:lstStyle/>
-          <a:p>
-            <a:endParaRPr lang="zh-TW" altLang="en-US"/>
+          <p:cNvPr id="4" name="文字方塊 3"/>
+          <p:cNvSpPr txBox="1"/>
+          <p:nvPr/>
+        </p:nvSpPr>
+        <p:spPr>
+          <a:xfrm>
+            <a:off x="272142" y="217715"/>
+            <a:ext cx="2031325" cy="646331"/>
+          </a:xfrm>
+          <a:prstGeom prst="rect">
+            <a:avLst/>
+          </a:prstGeom>
+          <a:noFill/>
+        </p:spPr>
+        <p:txBody>
+          <a:bodyPr wrap="none" rtlCol="0">
+            <a:spAutoFit/>
+          </a:bodyPr>
+          <a:lstStyle/>
+          <a:p>
+            <a:r>
+              <a:rPr lang="zh-TW" altLang="en-US" sz="3600" dirty="0" smtClean="0"/>
+              <a:t>我的故</a:t>
+            </a:r>
+            <a:r>
+              <a:rPr lang="zh-TW" altLang="en-US" sz="3600" dirty="0"/>
+              <a:t>事</a:t>
+            </a:r>
+          </a:p>
+        </p:txBody>
+      </p:sp>
+      <p:sp>
+        <p:nvSpPr>
+          <p:cNvPr id="5" name="圓角矩形 4"/>
+          <p:cNvSpPr/>
+          <p:nvPr/>
+        </p:nvSpPr>
+        <p:spPr>
+          <a:xfrm>
+            <a:off x="736033" y="2020676"/>
+            <a:ext cx="1308749" cy="772886"/>
+          </a:xfrm>
+          <a:prstGeom prst="roundRect">
+            <a:avLst/>
+          </a:prstGeom>
+        </p:spPr>
+        <p:style>
+          <a:lnRef idx="2">
+            <a:schemeClr val="accent1">
+              <a:shade val="50000"/>
+            </a:schemeClr>
+          </a:lnRef>
+          <a:fillRef idx="1">
+            <a:schemeClr val="accent1"/>
+          </a:fillRef>
+          <a:effectRef idx="0">
+            <a:schemeClr val="accent1"/>
+          </a:effectRef>
+          <a:fontRef idx="minor">
+            <a:schemeClr val="lt1"/>
+          </a:fontRef>
+        </p:style>
+        <p:txBody>
+          <a:bodyPr rtlCol="0" anchor="ctr"/>
+          <a:lstStyle/>
+          <a:p>
+            <a:pPr algn="ctr"/>
+            <a:r>
+              <a:rPr lang="zh-TW" altLang="en-US" sz="4000" dirty="0" smtClean="0"/>
+              <a:t>男</a:t>
+            </a:r>
+            <a:r>
+              <a:rPr lang="en-US" altLang="zh-TW" sz="4000" dirty="0" smtClean="0"/>
+              <a:t>2</a:t>
+            </a:r>
+            <a:endParaRPr lang="zh-TW" altLang="en-US" sz="4000" dirty="0"/>
+          </a:p>
+        </p:txBody>
+      </p:sp>
+      <p:sp>
+        <p:nvSpPr>
+          <p:cNvPr id="6" name="圓角矩形 5"/>
+          <p:cNvSpPr/>
+          <p:nvPr/>
+        </p:nvSpPr>
+        <p:spPr>
+          <a:xfrm>
+            <a:off x="736033" y="4818304"/>
+            <a:ext cx="1308749" cy="772886"/>
+          </a:xfrm>
+          <a:prstGeom prst="roundRect">
+            <a:avLst/>
+          </a:prstGeom>
+        </p:spPr>
+        <p:style>
+          <a:lnRef idx="2">
+            <a:schemeClr val="accent1">
+              <a:shade val="50000"/>
+            </a:schemeClr>
+          </a:lnRef>
+          <a:fillRef idx="1">
+            <a:schemeClr val="accent1"/>
+          </a:fillRef>
+          <a:effectRef idx="0">
+            <a:schemeClr val="accent1"/>
+          </a:effectRef>
+          <a:fontRef idx="minor">
+            <a:schemeClr val="lt1"/>
+          </a:fontRef>
+        </p:style>
+        <p:txBody>
+          <a:bodyPr rtlCol="0" anchor="ctr"/>
+          <a:lstStyle/>
+          <a:p>
+            <a:pPr algn="ctr"/>
+            <a:r>
+              <a:rPr lang="zh-TW" altLang="en-US" sz="4000" dirty="0" smtClean="0"/>
+              <a:t>女</a:t>
+            </a:r>
+            <a:r>
+              <a:rPr lang="en-US" altLang="zh-TW" sz="4000" dirty="0"/>
+              <a:t>2</a:t>
+            </a:r>
+            <a:endParaRPr lang="zh-TW" altLang="en-US" sz="4000" dirty="0"/>
+          </a:p>
+        </p:txBody>
+      </p:sp>
+      <p:sp>
+        <p:nvSpPr>
+          <p:cNvPr id="8" name="圓角矩形 7"/>
+          <p:cNvSpPr/>
+          <p:nvPr/>
+        </p:nvSpPr>
+        <p:spPr>
+          <a:xfrm>
+            <a:off x="3979977" y="2020676"/>
+            <a:ext cx="1308749" cy="772886"/>
+          </a:xfrm>
+          <a:prstGeom prst="roundRect">
+            <a:avLst/>
+          </a:prstGeom>
+        </p:spPr>
+        <p:style>
+          <a:lnRef idx="2">
+            <a:schemeClr val="accent1">
+              <a:shade val="50000"/>
+            </a:schemeClr>
+          </a:lnRef>
+          <a:fillRef idx="1">
+            <a:schemeClr val="accent1"/>
+          </a:fillRef>
+          <a:effectRef idx="0">
+            <a:schemeClr val="accent1"/>
+          </a:effectRef>
+          <a:fontRef idx="minor">
+            <a:schemeClr val="lt1"/>
+          </a:fontRef>
+        </p:style>
+        <p:txBody>
+          <a:bodyPr rtlCol="0" anchor="ctr"/>
+          <a:lstStyle/>
+          <a:p>
+            <a:pPr algn="ctr"/>
+            <a:r>
+              <a:rPr lang="zh-TW" altLang="en-US" sz="4000" dirty="0" smtClean="0"/>
+              <a:t>主</a:t>
+            </a:r>
+            <a:r>
+              <a:rPr lang="zh-TW" altLang="en-US" sz="4000" dirty="0"/>
+              <a:t>角</a:t>
+            </a:r>
+            <a:endParaRPr lang="zh-TW" altLang="en-US" sz="4000" dirty="0"/>
+          </a:p>
+        </p:txBody>
+      </p:sp>
+      <p:sp>
+        <p:nvSpPr>
+          <p:cNvPr id="9" name="圓角矩形 8"/>
+          <p:cNvSpPr/>
+          <p:nvPr/>
+        </p:nvSpPr>
+        <p:spPr>
+          <a:xfrm>
+            <a:off x="3979977" y="4818304"/>
+            <a:ext cx="1308749" cy="772886"/>
+          </a:xfrm>
+          <a:prstGeom prst="roundRect">
+            <a:avLst/>
+          </a:prstGeom>
+        </p:spPr>
+        <p:style>
+          <a:lnRef idx="2">
+            <a:schemeClr val="accent1">
+              <a:shade val="50000"/>
+            </a:schemeClr>
+          </a:lnRef>
+          <a:fillRef idx="1">
+            <a:schemeClr val="accent1"/>
+          </a:fillRef>
+          <a:effectRef idx="0">
+            <a:schemeClr val="accent1"/>
+          </a:effectRef>
+          <a:fontRef idx="minor">
+            <a:schemeClr val="lt1"/>
+          </a:fontRef>
+        </p:style>
+        <p:txBody>
+          <a:bodyPr rtlCol="0" anchor="ctr"/>
+          <a:lstStyle/>
+          <a:p>
+            <a:pPr algn="ctr"/>
+            <a:r>
+              <a:rPr lang="zh-TW" altLang="en-US" sz="4000" dirty="0" smtClean="0"/>
+              <a:t>女</a:t>
+            </a:r>
+            <a:r>
+              <a:rPr lang="en-US" altLang="zh-TW" sz="4000" dirty="0" smtClean="0"/>
+              <a:t>1</a:t>
+            </a:r>
+            <a:endParaRPr lang="zh-TW" altLang="en-US" sz="4000" dirty="0"/>
+          </a:p>
+        </p:txBody>
+      </p:sp>
+      <p:cxnSp>
+        <p:nvCxnSpPr>
+          <p:cNvPr id="11" name="直線單箭頭接點 10"/>
+          <p:cNvCxnSpPr>
+            <a:stCxn id="5" idx="2"/>
+          </p:cNvCxnSpPr>
+          <p:nvPr/>
+        </p:nvCxnSpPr>
+        <p:spPr>
+          <a:xfrm flipH="1">
+            <a:off x="1369868" y="2793562"/>
+            <a:ext cx="20540" cy="2137666"/>
+          </a:xfrm>
+          <a:prstGeom prst="straightConnector1">
+            <a:avLst/>
+          </a:prstGeom>
+          <a:ln w="57150">
+            <a:solidFill>
+              <a:schemeClr val="tx1"/>
+            </a:solidFill>
+            <a:headEnd type="arrow" w="med" len="med"/>
+            <a:tailEnd type="arrow" w="med" len="med"/>
+          </a:ln>
+        </p:spPr>
+        <p:style>
+          <a:lnRef idx="1">
+            <a:schemeClr val="accent1"/>
+          </a:lnRef>
+          <a:fillRef idx="0">
+            <a:schemeClr val="accent1"/>
+          </a:fillRef>
+          <a:effectRef idx="0">
+            <a:schemeClr val="accent1"/>
+          </a:effectRef>
+          <a:fontRef idx="minor">
+            <a:schemeClr val="tx1"/>
+          </a:fontRef>
+        </p:style>
+      </p:cxnSp>
+      <p:sp>
+        <p:nvSpPr>
+          <p:cNvPr id="12" name="文字方塊 11"/>
+          <p:cNvSpPr txBox="1"/>
+          <p:nvPr/>
+        </p:nvSpPr>
+        <p:spPr>
+          <a:xfrm>
+            <a:off x="272142" y="3621267"/>
+            <a:ext cx="1107996" cy="369332"/>
+          </a:xfrm>
+          <a:prstGeom prst="rect">
+            <a:avLst/>
+          </a:prstGeom>
+          <a:noFill/>
+        </p:spPr>
+        <p:txBody>
+          <a:bodyPr wrap="none" rtlCol="0">
+            <a:spAutoFit/>
+          </a:bodyPr>
+          <a:lstStyle/>
+          <a:p>
+            <a:r>
+              <a:rPr lang="zh-TW" altLang="en-US" dirty="0" smtClean="0"/>
+              <a:t>互相暗</a:t>
+            </a:r>
+            <a:r>
+              <a:rPr lang="zh-TW" altLang="en-US" dirty="0"/>
+              <a:t>戀</a:t>
+            </a:r>
+          </a:p>
+        </p:txBody>
+      </p:sp>
+      <p:cxnSp>
+        <p:nvCxnSpPr>
+          <p:cNvPr id="14" name="直線單箭頭接點 13"/>
+          <p:cNvCxnSpPr>
+            <a:stCxn id="9" idx="1"/>
+            <a:endCxn id="6" idx="3"/>
+          </p:cNvCxnSpPr>
+          <p:nvPr/>
+        </p:nvCxnSpPr>
+        <p:spPr>
+          <a:xfrm flipH="1">
+            <a:off x="2044782" y="5204747"/>
+            <a:ext cx="1935195" cy="0"/>
+          </a:xfrm>
+          <a:prstGeom prst="straightConnector1">
+            <a:avLst/>
+          </a:prstGeom>
+          <a:ln w="57150">
+            <a:solidFill>
+              <a:schemeClr val="tx1"/>
+            </a:solidFill>
+            <a:tailEnd type="triangle"/>
+          </a:ln>
+        </p:spPr>
+        <p:style>
+          <a:lnRef idx="1">
+            <a:schemeClr val="accent1"/>
+          </a:lnRef>
+          <a:fillRef idx="0">
+            <a:schemeClr val="accent1"/>
+          </a:fillRef>
+          <a:effectRef idx="0">
+            <a:schemeClr val="accent1"/>
+          </a:effectRef>
+          <a:fontRef idx="minor">
+            <a:schemeClr val="tx1"/>
+          </a:fontRef>
+        </p:style>
+      </p:cxnSp>
+      <p:sp>
+        <p:nvSpPr>
+          <p:cNvPr id="15" name="文字方塊 14"/>
+          <p:cNvSpPr txBox="1"/>
+          <p:nvPr/>
+        </p:nvSpPr>
+        <p:spPr>
+          <a:xfrm>
+            <a:off x="2284455" y="4818304"/>
+            <a:ext cx="1455848" cy="369332"/>
+          </a:xfrm>
+          <a:prstGeom prst="rect">
+            <a:avLst/>
+          </a:prstGeom>
+          <a:noFill/>
+        </p:spPr>
+        <p:txBody>
+          <a:bodyPr wrap="none" rtlCol="0">
+            <a:spAutoFit/>
+          </a:bodyPr>
+          <a:lstStyle/>
+          <a:p>
+            <a:r>
+              <a:rPr lang="zh-TW" altLang="en-US" dirty="0" smtClean="0"/>
+              <a:t>鼓勵她追男</a:t>
+            </a:r>
+            <a:r>
+              <a:rPr lang="en-US" altLang="zh-TW" dirty="0"/>
+              <a:t>2</a:t>
+            </a:r>
+            <a:endParaRPr lang="zh-TW" altLang="en-US" dirty="0"/>
+          </a:p>
+        </p:txBody>
+      </p:sp>
+      <p:cxnSp>
+        <p:nvCxnSpPr>
+          <p:cNvPr id="17" name="直線單箭頭接點 16"/>
+          <p:cNvCxnSpPr>
+            <a:stCxn id="8" idx="1"/>
+            <a:endCxn id="5" idx="3"/>
+          </p:cNvCxnSpPr>
+          <p:nvPr/>
+        </p:nvCxnSpPr>
+        <p:spPr>
+          <a:xfrm flipH="1">
+            <a:off x="2044782" y="2407119"/>
+            <a:ext cx="1935195" cy="0"/>
+          </a:xfrm>
+          <a:prstGeom prst="straightConnector1">
+            <a:avLst/>
+          </a:prstGeom>
+          <a:ln w="57150">
+            <a:solidFill>
+              <a:schemeClr val="tx1"/>
+            </a:solidFill>
+            <a:headEnd type="none" w="med" len="med"/>
+            <a:tailEnd type="arrow" w="med" len="med"/>
+          </a:ln>
+        </p:spPr>
+        <p:style>
+          <a:lnRef idx="1">
+            <a:schemeClr val="accent1"/>
+          </a:lnRef>
+          <a:fillRef idx="0">
+            <a:schemeClr val="accent1"/>
+          </a:fillRef>
+          <a:effectRef idx="0">
+            <a:schemeClr val="accent1"/>
+          </a:effectRef>
+          <a:fontRef idx="minor">
+            <a:schemeClr val="tx1"/>
+          </a:fontRef>
+        </p:style>
+      </p:cxnSp>
+      <p:sp>
+        <p:nvSpPr>
+          <p:cNvPr id="18" name="文字方塊 17"/>
+          <p:cNvSpPr txBox="1"/>
+          <p:nvPr/>
+        </p:nvSpPr>
+        <p:spPr>
+          <a:xfrm>
+            <a:off x="2290806" y="2485399"/>
+            <a:ext cx="1455848" cy="369332"/>
+          </a:xfrm>
+          <a:prstGeom prst="rect">
+            <a:avLst/>
+          </a:prstGeom>
+          <a:noFill/>
+        </p:spPr>
+        <p:txBody>
+          <a:bodyPr wrap="none" rtlCol="0">
+            <a:spAutoFit/>
+          </a:bodyPr>
+          <a:lstStyle/>
+          <a:p>
+            <a:r>
+              <a:rPr lang="zh-TW" altLang="en-US" dirty="0" smtClean="0"/>
+              <a:t>鼓勵</a:t>
+            </a:r>
+            <a:r>
+              <a:rPr lang="zh-TW" altLang="en-US" dirty="0"/>
+              <a:t>他</a:t>
+            </a:r>
+            <a:r>
+              <a:rPr lang="zh-TW" altLang="en-US" dirty="0" smtClean="0"/>
+              <a:t>追女</a:t>
+            </a:r>
+            <a:r>
+              <a:rPr lang="en-US" altLang="zh-TW" dirty="0"/>
+              <a:t>2</a:t>
+            </a:r>
+            <a:endParaRPr lang="zh-TW" altLang="en-US" dirty="0"/>
+          </a:p>
+        </p:txBody>
+      </p:sp>
+      <p:cxnSp>
+        <p:nvCxnSpPr>
+          <p:cNvPr id="20" name="直線單箭頭接點 19"/>
+          <p:cNvCxnSpPr>
+            <a:stCxn id="8" idx="2"/>
+            <a:endCxn id="9" idx="0"/>
+          </p:cNvCxnSpPr>
+          <p:nvPr/>
+        </p:nvCxnSpPr>
+        <p:spPr>
+          <a:xfrm>
+            <a:off x="4634352" y="2793562"/>
+            <a:ext cx="0" cy="2024742"/>
+          </a:xfrm>
+          <a:prstGeom prst="straightConnector1">
+            <a:avLst/>
+          </a:prstGeom>
+          <a:ln w="57150">
+            <a:solidFill>
+              <a:schemeClr val="tx1"/>
+            </a:solidFill>
+            <a:headEnd type="arrow" w="med" len="med"/>
+            <a:tailEnd type="arrow" w="med" len="med"/>
+          </a:ln>
+        </p:spPr>
+        <p:style>
+          <a:lnRef idx="1">
+            <a:schemeClr val="accent1"/>
+          </a:lnRef>
+          <a:fillRef idx="0">
+            <a:schemeClr val="accent1"/>
+          </a:fillRef>
+          <a:effectRef idx="0">
+            <a:schemeClr val="accent1"/>
+          </a:effectRef>
+          <a:fontRef idx="minor">
+            <a:schemeClr val="tx1"/>
+          </a:fontRef>
+        </p:style>
+      </p:cxnSp>
+      <p:sp>
+        <p:nvSpPr>
+          <p:cNvPr id="23" name="文字方塊 22"/>
+          <p:cNvSpPr txBox="1"/>
+          <p:nvPr/>
+        </p:nvSpPr>
+        <p:spPr>
+          <a:xfrm>
+            <a:off x="3403092" y="3621267"/>
+            <a:ext cx="1107996" cy="369332"/>
+          </a:xfrm>
+          <a:prstGeom prst="rect">
+            <a:avLst/>
+          </a:prstGeom>
+          <a:noFill/>
+        </p:spPr>
+        <p:txBody>
+          <a:bodyPr wrap="none" rtlCol="0">
+            <a:spAutoFit/>
+          </a:bodyPr>
+          <a:lstStyle/>
+          <a:p>
+            <a:r>
+              <a:rPr lang="zh-TW" altLang="en-US" dirty="0" smtClean="0"/>
+              <a:t>合作撮合</a:t>
+            </a:r>
+            <a:endParaRPr lang="zh-TW" altLang="en-US" dirty="0"/>
+          </a:p>
+        </p:txBody>
+      </p:sp>
+      <p:cxnSp>
+        <p:nvCxnSpPr>
+          <p:cNvPr id="28" name="肘形接點 27"/>
+          <p:cNvCxnSpPr>
+            <a:stCxn id="5" idx="0"/>
+            <a:endCxn id="8" idx="0"/>
+          </p:cNvCxnSpPr>
+          <p:nvPr/>
+        </p:nvCxnSpPr>
+        <p:spPr>
+          <a:xfrm rot="5400000" flipH="1" flipV="1">
+            <a:off x="3012380" y="398704"/>
+            <a:ext cx="12700" cy="3243944"/>
+          </a:xfrm>
+          <a:prstGeom prst="bentConnector3">
+            <a:avLst>
+              <a:gd name="adj1" fmla="val 3685709"/>
+            </a:avLst>
+          </a:prstGeom>
+          <a:ln w="57150">
+            <a:solidFill>
+              <a:schemeClr val="tx1"/>
+            </a:solidFill>
+            <a:prstDash val="sysDot"/>
+            <a:tailEnd type="triangle"/>
+          </a:ln>
+        </p:spPr>
+        <p:style>
+          <a:lnRef idx="1">
+            <a:schemeClr val="accent1"/>
+          </a:lnRef>
+          <a:fillRef idx="0">
+            <a:schemeClr val="accent1"/>
+          </a:fillRef>
+          <a:effectRef idx="0">
+            <a:schemeClr val="accent1"/>
+          </a:effectRef>
+          <a:fontRef idx="minor">
+            <a:schemeClr val="tx1"/>
+          </a:fontRef>
+        </p:style>
+      </p:cxnSp>
+      <p:cxnSp>
+        <p:nvCxnSpPr>
+          <p:cNvPr id="31" name="肘形接點 30"/>
+          <p:cNvCxnSpPr>
+            <a:stCxn id="6" idx="2"/>
+            <a:endCxn id="9" idx="2"/>
+          </p:cNvCxnSpPr>
+          <p:nvPr/>
+        </p:nvCxnSpPr>
+        <p:spPr>
+          <a:xfrm rot="16200000" flipH="1">
+            <a:off x="3012380" y="3969218"/>
+            <a:ext cx="12700" cy="3243944"/>
+          </a:xfrm>
+          <a:prstGeom prst="bentConnector3">
+            <a:avLst>
+              <a:gd name="adj1" fmla="val 3085717"/>
+            </a:avLst>
+          </a:prstGeom>
+          <a:ln w="57150">
+            <a:solidFill>
+              <a:schemeClr val="tx1"/>
+            </a:solidFill>
+            <a:prstDash val="sysDot"/>
+            <a:tailEnd type="triangle"/>
+          </a:ln>
+        </p:spPr>
+        <p:style>
+          <a:lnRef idx="1">
+            <a:schemeClr val="accent1"/>
+          </a:lnRef>
+          <a:fillRef idx="0">
+            <a:schemeClr val="accent1"/>
+          </a:fillRef>
+          <a:effectRef idx="0">
+            <a:schemeClr val="accent1"/>
+          </a:effectRef>
+          <a:fontRef idx="minor">
+            <a:schemeClr val="tx1"/>
+          </a:fontRef>
+        </p:style>
+      </p:cxnSp>
+      <p:sp>
+        <p:nvSpPr>
+          <p:cNvPr id="34" name="文字方塊 33"/>
+          <p:cNvSpPr txBox="1"/>
+          <p:nvPr/>
+        </p:nvSpPr>
+        <p:spPr>
+          <a:xfrm>
+            <a:off x="2112132" y="1105401"/>
+            <a:ext cx="1800493" cy="369332"/>
+          </a:xfrm>
+          <a:prstGeom prst="rect">
+            <a:avLst/>
+          </a:prstGeom>
+          <a:noFill/>
+        </p:spPr>
+        <p:txBody>
+          <a:bodyPr wrap="none" rtlCol="0">
+            <a:spAutoFit/>
+          </a:bodyPr>
+          <a:lstStyle/>
+          <a:p>
+            <a:r>
+              <a:rPr lang="zh-TW" altLang="en-US" dirty="0" smtClean="0"/>
+              <a:t>平行世界十年</a:t>
+            </a:r>
+            <a:r>
+              <a:rPr lang="zh-TW" altLang="en-US" dirty="0"/>
+              <a:t>後</a:t>
+            </a:r>
+          </a:p>
+        </p:txBody>
+      </p:sp>
+      <p:sp>
+        <p:nvSpPr>
+          <p:cNvPr id="35" name="文字方塊 34"/>
+          <p:cNvSpPr txBox="1"/>
+          <p:nvPr/>
+        </p:nvSpPr>
+        <p:spPr>
+          <a:xfrm>
+            <a:off x="2118483" y="6179409"/>
+            <a:ext cx="1800493" cy="369332"/>
+          </a:xfrm>
+          <a:prstGeom prst="rect">
+            <a:avLst/>
+          </a:prstGeom>
+          <a:noFill/>
+        </p:spPr>
+        <p:txBody>
+          <a:bodyPr wrap="none" rtlCol="0">
+            <a:spAutoFit/>
+          </a:bodyPr>
+          <a:lstStyle/>
+          <a:p>
+            <a:r>
+              <a:rPr lang="zh-TW" altLang="en-US" dirty="0" smtClean="0"/>
+              <a:t>平行世界十年</a:t>
+            </a:r>
+            <a:r>
+              <a:rPr lang="zh-TW" altLang="en-US" dirty="0"/>
+              <a:t>後</a:t>
+            </a:r>
+          </a:p>
+        </p:txBody>
+      </p:sp>
+      <p:sp>
+        <p:nvSpPr>
+          <p:cNvPr id="37" name="文字方塊 36"/>
+          <p:cNvSpPr txBox="1"/>
+          <p:nvPr/>
+        </p:nvSpPr>
+        <p:spPr>
+          <a:xfrm>
+            <a:off x="6336224" y="864046"/>
+            <a:ext cx="5156600" cy="4524315"/>
+          </a:xfrm>
+          <a:prstGeom prst="rect">
+            <a:avLst/>
+          </a:prstGeom>
+          <a:noFill/>
+        </p:spPr>
+        <p:txBody>
+          <a:bodyPr wrap="square" rtlCol="0">
+            <a:spAutoFit/>
+          </a:bodyPr>
+          <a:lstStyle/>
+          <a:p>
+            <a:r>
+              <a:rPr lang="zh-TW" altLang="en-US" dirty="0" smtClean="0"/>
+              <a:t>         時光機器的發明，雖然改變的只是其他平行世界的自己，主角卻還是想要鼓勵十年前的自己去追他十年前暗戀的對象。</a:t>
+            </a:r>
+            <a:endParaRPr lang="en-US" altLang="zh-TW" dirty="0" smtClean="0"/>
+          </a:p>
+          <a:p>
+            <a:r>
+              <a:rPr lang="zh-TW" altLang="en-US" dirty="0" smtClean="0"/>
+              <a:t>         後來，主角認識了也想撮合十年前的他們的女</a:t>
+            </a:r>
+            <a:r>
+              <a:rPr lang="en-US" altLang="zh-TW" dirty="0" smtClean="0"/>
+              <a:t>1</a:t>
+            </a:r>
+            <a:r>
+              <a:rPr lang="zh-TW" altLang="en-US" dirty="0" smtClean="0"/>
+              <a:t>，兩人決定一起合作撮合他們。</a:t>
+            </a:r>
+            <a:endParaRPr lang="en-US" altLang="zh-TW" dirty="0" smtClean="0"/>
+          </a:p>
+          <a:p>
+            <a:r>
+              <a:rPr lang="zh-TW" altLang="en-US" dirty="0" smtClean="0"/>
+              <a:t>         過程中慢慢的主角愛上了女</a:t>
+            </a:r>
+            <a:r>
+              <a:rPr lang="en-US" altLang="zh-TW" dirty="0" smtClean="0"/>
+              <a:t>1</a:t>
+            </a:r>
+            <a:r>
+              <a:rPr lang="zh-TW" altLang="en-US" dirty="0" smtClean="0"/>
+              <a:t>，但女</a:t>
+            </a:r>
+            <a:r>
+              <a:rPr lang="en-US" altLang="zh-TW" dirty="0" smtClean="0"/>
+              <a:t>1</a:t>
+            </a:r>
+            <a:r>
+              <a:rPr lang="zh-TW" altLang="en-US" dirty="0" smtClean="0"/>
+              <a:t>是十年前的人，主角不能永遠待在這裡，撮合完他們他就要回去了，所以他不打算表達他的感情。</a:t>
+            </a:r>
+            <a:endParaRPr lang="en-US" altLang="zh-TW" dirty="0" smtClean="0"/>
+          </a:p>
+          <a:p>
+            <a:r>
+              <a:rPr lang="zh-TW" altLang="en-US" dirty="0" smtClean="0"/>
+              <a:t>         發現自己感情後，主角看著以前的自己越來越幸福，原本是應該開心的，卻又有些失落。</a:t>
+            </a:r>
+            <a:endParaRPr lang="en-US" altLang="zh-TW" dirty="0" smtClean="0"/>
+          </a:p>
+          <a:p>
+            <a:r>
+              <a:rPr lang="zh-TW" altLang="en-US" dirty="0" smtClean="0"/>
+              <a:t>          在畢業那</a:t>
+            </a:r>
+            <a:r>
+              <a:rPr lang="zh-TW" altLang="en-US" dirty="0"/>
+              <a:t>天</a:t>
+            </a:r>
+            <a:r>
+              <a:rPr lang="zh-TW" altLang="en-US" dirty="0" smtClean="0"/>
+              <a:t>十年前的自己告白成功了，他們大家相約每年都在這相見，隔天男主角就回去了。</a:t>
+            </a:r>
+            <a:endParaRPr lang="en-US" altLang="zh-TW" dirty="0" smtClean="0"/>
+          </a:p>
+          <a:p>
+            <a:r>
+              <a:rPr lang="zh-TW" altLang="en-US" dirty="0" smtClean="0"/>
+              <a:t>         又過了幾年剛好到了原本約定的那天，主角臨時決定去一下約定的地方，發現女</a:t>
+            </a:r>
+            <a:r>
+              <a:rPr lang="en-US" altLang="zh-TW" dirty="0" smtClean="0"/>
+              <a:t>1</a:t>
+            </a:r>
+            <a:r>
+              <a:rPr lang="zh-TW" altLang="en-US" dirty="0" smtClean="0"/>
+              <a:t>也在那才真相大白</a:t>
+            </a:r>
+            <a:r>
+              <a:rPr lang="en-US" altLang="zh-TW" dirty="0" smtClean="0"/>
+              <a:t>……</a:t>
+            </a:r>
+          </a:p>
+          <a:p>
+            <a:endParaRPr lang="en-US" altLang="zh-TW" dirty="0" smtClean="0"/>
           </a:p>
         </p:txBody>
       </p:sp>

--- a/B10330325.pptx
+++ b/B10330325.pptx
@@ -3473,7 +3473,7 @@
         </p:nvSpPr>
         <p:spPr>
           <a:xfrm>
-            <a:off x="7235190" y="576687"/>
+            <a:off x="7244820" y="1042982"/>
             <a:ext cx="4777740" cy="3416320"/>
           </a:xfrm>
           <a:prstGeom prst="rect">
@@ -4070,7 +4070,6 @@
               <a:rPr lang="zh-TW" altLang="en-US" sz="4000" dirty="0"/>
               <a:t>角</a:t>
             </a:r>
-            <a:endParaRPr lang="zh-TW" altLang="en-US" sz="4000" dirty="0"/>
           </a:p>
         </p:txBody>
       </p:sp>
@@ -4578,7 +4577,7 @@
         <p:spPr>
           <a:xfrm>
             <a:off x="6336224" y="864046"/>
-            <a:ext cx="5156600" cy="4524315"/>
+            <a:ext cx="5156600" cy="4247317"/>
           </a:xfrm>
           <a:prstGeom prst="rect">
             <a:avLst/>
@@ -4671,11 +4670,9 @@
               <a:t>也在那才真相大白</a:t>
             </a:r>
             <a:r>
-              <a:rPr lang="en-US" altLang="zh-TW" dirty="0" smtClean="0"/>
+              <a:rPr lang="en-US" altLang="zh-TW" smtClean="0"/>
               <a:t>……</a:t>
             </a:r>
-          </a:p>
-          <a:p>
             <a:endParaRPr lang="en-US" altLang="zh-TW" dirty="0" smtClean="0"/>
           </a:p>
         </p:txBody>

--- a/B10330325.pptx
+++ b/B10330325.pptx
@@ -244,7 +244,7 @@
           <a:p>
             <a:fld id="{C3A35508-5FCB-414B-B701-0D7C48DF9CF3}" type="datetimeFigureOut">
               <a:rPr lang="zh-TW" altLang="en-US" smtClean="0"/>
-              <a:t>2016/12/3</a:t>
+              <a:t>2016/12/8</a:t>
             </a:fld>
             <a:endParaRPr lang="zh-TW" altLang="en-US"/>
           </a:p>
@@ -414,7 +414,7 @@
           <a:p>
             <a:fld id="{C3A35508-5FCB-414B-B701-0D7C48DF9CF3}" type="datetimeFigureOut">
               <a:rPr lang="zh-TW" altLang="en-US" smtClean="0"/>
-              <a:t>2016/12/3</a:t>
+              <a:t>2016/12/8</a:t>
             </a:fld>
             <a:endParaRPr lang="zh-TW" altLang="en-US"/>
           </a:p>
@@ -594,7 +594,7 @@
           <a:p>
             <a:fld id="{C3A35508-5FCB-414B-B701-0D7C48DF9CF3}" type="datetimeFigureOut">
               <a:rPr lang="zh-TW" altLang="en-US" smtClean="0"/>
-              <a:t>2016/12/3</a:t>
+              <a:t>2016/12/8</a:t>
             </a:fld>
             <a:endParaRPr lang="zh-TW" altLang="en-US"/>
           </a:p>
@@ -764,7 +764,7 @@
           <a:p>
             <a:fld id="{C3A35508-5FCB-414B-B701-0D7C48DF9CF3}" type="datetimeFigureOut">
               <a:rPr lang="zh-TW" altLang="en-US" smtClean="0"/>
-              <a:t>2016/12/3</a:t>
+              <a:t>2016/12/8</a:t>
             </a:fld>
             <a:endParaRPr lang="zh-TW" altLang="en-US"/>
           </a:p>
@@ -1010,7 +1010,7 @@
           <a:p>
             <a:fld id="{C3A35508-5FCB-414B-B701-0D7C48DF9CF3}" type="datetimeFigureOut">
               <a:rPr lang="zh-TW" altLang="en-US" smtClean="0"/>
-              <a:t>2016/12/3</a:t>
+              <a:t>2016/12/8</a:t>
             </a:fld>
             <a:endParaRPr lang="zh-TW" altLang="en-US"/>
           </a:p>
@@ -1242,7 +1242,7 @@
           <a:p>
             <a:fld id="{C3A35508-5FCB-414B-B701-0D7C48DF9CF3}" type="datetimeFigureOut">
               <a:rPr lang="zh-TW" altLang="en-US" smtClean="0"/>
-              <a:t>2016/12/3</a:t>
+              <a:t>2016/12/8</a:t>
             </a:fld>
             <a:endParaRPr lang="zh-TW" altLang="en-US"/>
           </a:p>
@@ -1609,7 +1609,7 @@
           <a:p>
             <a:fld id="{C3A35508-5FCB-414B-B701-0D7C48DF9CF3}" type="datetimeFigureOut">
               <a:rPr lang="zh-TW" altLang="en-US" smtClean="0"/>
-              <a:t>2016/12/3</a:t>
+              <a:t>2016/12/8</a:t>
             </a:fld>
             <a:endParaRPr lang="zh-TW" altLang="en-US"/>
           </a:p>
@@ -1727,7 +1727,7 @@
           <a:p>
             <a:fld id="{C3A35508-5FCB-414B-B701-0D7C48DF9CF3}" type="datetimeFigureOut">
               <a:rPr lang="zh-TW" altLang="en-US" smtClean="0"/>
-              <a:t>2016/12/3</a:t>
+              <a:t>2016/12/8</a:t>
             </a:fld>
             <a:endParaRPr lang="zh-TW" altLang="en-US"/>
           </a:p>
@@ -1822,7 +1822,7 @@
           <a:p>
             <a:fld id="{C3A35508-5FCB-414B-B701-0D7C48DF9CF3}" type="datetimeFigureOut">
               <a:rPr lang="zh-TW" altLang="en-US" smtClean="0"/>
-              <a:t>2016/12/3</a:t>
+              <a:t>2016/12/8</a:t>
             </a:fld>
             <a:endParaRPr lang="zh-TW" altLang="en-US"/>
           </a:p>
@@ -2099,7 +2099,7 @@
           <a:p>
             <a:fld id="{C3A35508-5FCB-414B-B701-0D7C48DF9CF3}" type="datetimeFigureOut">
               <a:rPr lang="zh-TW" altLang="en-US" smtClean="0"/>
-              <a:t>2016/12/3</a:t>
+              <a:t>2016/12/8</a:t>
             </a:fld>
             <a:endParaRPr lang="zh-TW" altLang="en-US"/>
           </a:p>
@@ -2352,7 +2352,7 @@
           <a:p>
             <a:fld id="{C3A35508-5FCB-414B-B701-0D7C48DF9CF3}" type="datetimeFigureOut">
               <a:rPr lang="zh-TW" altLang="en-US" smtClean="0"/>
-              <a:t>2016/12/3</a:t>
+              <a:t>2016/12/8</a:t>
             </a:fld>
             <a:endParaRPr lang="zh-TW" altLang="en-US"/>
           </a:p>
@@ -2565,7 +2565,7 @@
           <a:p>
             <a:fld id="{C3A35508-5FCB-414B-B701-0D7C48DF9CF3}" type="datetimeFigureOut">
               <a:rPr lang="zh-TW" altLang="en-US" smtClean="0"/>
-              <a:t>2016/12/3</a:t>
+              <a:t>2016/12/8</a:t>
             </a:fld>
             <a:endParaRPr lang="zh-TW" altLang="en-US"/>
           </a:p>
